--- a/doc/simulation_of_the_water_supply_system_NTO_2025_WTF_AXIOM.pptx
+++ b/doc/simulation_of_the_water_supply_system_NTO_2025_WTF_AXIOM.pptx
@@ -8,8 +8,9 @@
     <p:sldId id="256" r:id="rId2"/>
     <p:sldId id="262" r:id="rId3"/>
     <p:sldId id="263" r:id="rId4"/>
-    <p:sldId id="272" r:id="rId5"/>
-    <p:sldId id="270" r:id="rId6"/>
+    <p:sldId id="273" r:id="rId5"/>
+    <p:sldId id="272" r:id="rId6"/>
+    <p:sldId id="270" r:id="rId7"/>
   </p:sldIdLst>
   <p:sldSz cx="12192000" cy="6858000"/>
   <p:notesSz cx="6858000" cy="9144000"/>
@@ -3391,7 +3392,6 @@
               <a:rPr lang="ru-RU" b="1" dirty="0"/>
               <a:t>Система интеллектуального водопотребления</a:t>
             </a:r>
-            <a:endParaRPr lang="ru-RU" b="1" dirty="0"/>
           </a:p>
         </p:txBody>
       </p:sp>
@@ -3429,7 +3429,7 @@
               </a:spcBef>
             </a:pPr>
             <a:r>
-              <a:rPr lang="en-US" b="1" dirty="0" smtClean="0">
+              <a:rPr lang="en-US" b="1" dirty="0">
                 <a:latin typeface="Californian FB" panose="0207040306080B030204" pitchFamily="18" charset="0"/>
               </a:rPr>
               <a:t>Product by WTF+AXIOM</a:t>
@@ -3442,7 +3442,7 @@
               </a:spcBef>
             </a:pPr>
             <a:r>
-              <a:rPr lang="en-US" sz="2000" b="1" dirty="0" smtClean="0">
+              <a:rPr lang="en-US" sz="2000" b="1" dirty="0">
                 <a:latin typeface="Californian FB" panose="0207040306080B030204" pitchFamily="18" charset="0"/>
               </a:rPr>
               <a:t>2025</a:t>
@@ -3591,13 +3591,6 @@
   <p:clrMapOvr>
     <a:masterClrMapping/>
   </p:clrMapOvr>
-  <p:timing>
-    <p:tnLst>
-      <p:par>
-        <p:cTn id="1" dur="indefinite" restart="never" nodeType="tmRoot"/>
-      </p:par>
-    </p:tnLst>
-  </p:timing>
 </p:sld>
 </file>
 
@@ -3657,11 +3650,7 @@
             <a:pPr algn="ctr"/>
             <a:r>
               <a:rPr lang="ru-RU" b="1" dirty="0"/>
-              <a:t>Макет </a:t>
-            </a:r>
-            <a:r>
-              <a:rPr lang="ru-RU" b="1" dirty="0" smtClean="0"/>
-              <a:t>системы водопотребления </a:t>
+              <a:t>Макет системы водопотребления </a:t>
             </a:r>
             <a:endParaRPr lang="ru-RU" dirty="0"/>
           </a:p>
@@ -3707,13 +3696,6 @@
   <p:clrMapOvr>
     <a:masterClrMapping/>
   </p:clrMapOvr>
-  <p:timing>
-    <p:tnLst>
-      <p:par>
-        <p:cTn id="1" dur="indefinite" restart="never" nodeType="tmRoot"/>
-      </p:par>
-    </p:tnLst>
-  </p:timing>
 </p:sld>
 </file>
 
@@ -3772,7 +3754,7 @@
           <a:p>
             <a:pPr algn="ctr"/>
             <a:r>
-              <a:rPr lang="ru-RU" b="1" dirty="0" smtClean="0"/>
+              <a:rPr lang="ru-RU" b="1" dirty="0"/>
               <a:t>Интерфейс</a:t>
             </a:r>
             <a:endParaRPr lang="ru-RU" dirty="0"/>
@@ -3819,13 +3801,6 @@
   <p:clrMapOvr>
     <a:masterClrMapping/>
   </p:clrMapOvr>
-  <p:timing>
-    <p:tnLst>
-      <p:par>
-        <p:cTn id="1" dur="indefinite" restart="never" nodeType="tmRoot"/>
-      </p:par>
-    </p:tnLst>
-  </p:timing>
 </p:sld>
 </file>
 
@@ -3885,15 +3860,637 @@
             <a:pPr algn="ctr"/>
             <a:r>
               <a:rPr lang="ru-RU" b="1" dirty="0"/>
-              <a:t>Демонстрация </a:t>
-            </a:r>
-            <a:r>
-              <a:rPr lang="ru-RU" b="1" dirty="0" smtClean="0"/>
-              <a:t>работы </a:t>
-            </a:r>
+              <a:t>Фильтрация показаний с датчика тока</a:t>
+            </a:r>
+            <a:endParaRPr lang="ru-RU" dirty="0"/>
+          </a:p>
+        </p:txBody>
+      </p:sp>
+      <p:pic>
+        <p:nvPicPr>
+          <p:cNvPr id="9" name="Picture 8">
+            <a:extLst>
+              <a:ext uri="{FF2B5EF4-FFF2-40B4-BE49-F238E27FC236}">
+                <a16:creationId xmlns:a16="http://schemas.microsoft.com/office/drawing/2014/main" id="{5A02B066-CD0F-4607-8C5D-952BC2400A83}"/>
+              </a:ext>
+            </a:extLst>
+          </p:cNvPr>
+          <p:cNvPicPr>
+            <a:picLocks noChangeAspect="1"/>
+          </p:cNvPicPr>
+          <p:nvPr/>
+        </p:nvPicPr>
+        <p:blipFill>
+          <a:blip r:embed="rId2">
+            <a:extLst>
+              <a:ext uri="{28A0092B-C50C-407E-A947-70E740481C1C}">
+                <a14:useLocalDpi xmlns:a14="http://schemas.microsoft.com/office/drawing/2010/main" val="0"/>
+              </a:ext>
+            </a:extLst>
+          </a:blip>
+          <a:stretch>
+            <a:fillRect/>
+          </a:stretch>
+        </p:blipFill>
+        <p:spPr>
+          <a:xfrm>
+            <a:off x="319460" y="3353168"/>
+            <a:ext cx="3571232" cy="2976873"/>
+          </a:xfrm>
+          <a:prstGeom prst="rect">
+            <a:avLst/>
+          </a:prstGeom>
+        </p:spPr>
+      </p:pic>
+      <p:pic>
+        <p:nvPicPr>
+          <p:cNvPr id="10" name="Picture 9">
+            <a:extLst>
+              <a:ext uri="{FF2B5EF4-FFF2-40B4-BE49-F238E27FC236}">
+                <a16:creationId xmlns:a16="http://schemas.microsoft.com/office/drawing/2014/main" id="{6A2F1E98-BB9D-4D3D-830A-72419D7D2F78}"/>
+              </a:ext>
+            </a:extLst>
+          </p:cNvPr>
+          <p:cNvPicPr>
+            <a:picLocks noChangeAspect="1"/>
+          </p:cNvPicPr>
+          <p:nvPr/>
+        </p:nvPicPr>
+        <p:blipFill>
+          <a:blip r:embed="rId2">
+            <a:extLst>
+              <a:ext uri="{28A0092B-C50C-407E-A947-70E740481C1C}">
+                <a14:useLocalDpi xmlns:a14="http://schemas.microsoft.com/office/drawing/2010/main" val="0"/>
+              </a:ext>
+            </a:extLst>
+          </a:blip>
+          <a:stretch>
+            <a:fillRect/>
+          </a:stretch>
+        </p:blipFill>
+        <p:spPr>
+          <a:xfrm>
+            <a:off x="4330845" y="3354828"/>
+            <a:ext cx="3567252" cy="2973555"/>
+          </a:xfrm>
+          <a:prstGeom prst="rect">
+            <a:avLst/>
+          </a:prstGeom>
+        </p:spPr>
+      </p:pic>
+      <p:pic>
+        <p:nvPicPr>
+          <p:cNvPr id="11" name="Picture 10">
+            <a:extLst>
+              <a:ext uri="{FF2B5EF4-FFF2-40B4-BE49-F238E27FC236}">
+                <a16:creationId xmlns:a16="http://schemas.microsoft.com/office/drawing/2014/main" id="{94CC5D2B-C2CE-42F3-ABFE-9053B89DE198}"/>
+              </a:ext>
+            </a:extLst>
+          </p:cNvPr>
+          <p:cNvPicPr>
+            <a:picLocks noChangeAspect="1"/>
+          </p:cNvPicPr>
+          <p:nvPr/>
+        </p:nvPicPr>
+        <p:blipFill>
+          <a:blip r:embed="rId2">
+            <a:extLst>
+              <a:ext uri="{28A0092B-C50C-407E-A947-70E740481C1C}">
+                <a14:useLocalDpi xmlns:a14="http://schemas.microsoft.com/office/drawing/2010/main" val="0"/>
+              </a:ext>
+            </a:extLst>
+          </a:blip>
+          <a:stretch>
+            <a:fillRect/>
+          </a:stretch>
+        </p:blipFill>
+        <p:spPr>
+          <a:xfrm>
+            <a:off x="8287692" y="3351510"/>
+            <a:ext cx="3576149" cy="2980972"/>
+          </a:xfrm>
+          <a:prstGeom prst="rect">
+            <a:avLst/>
+          </a:prstGeom>
+        </p:spPr>
+      </p:pic>
+      <p:sp>
+        <p:nvSpPr>
+          <p:cNvPr id="13" name="TextBox 12">
+            <a:extLst>
+              <a:ext uri="{FF2B5EF4-FFF2-40B4-BE49-F238E27FC236}">
+                <a16:creationId xmlns:a16="http://schemas.microsoft.com/office/drawing/2014/main" id="{959638E0-E8DA-4A5B-A64A-7AB8DFEBD7FF}"/>
+              </a:ext>
+            </a:extLst>
+          </p:cNvPr>
+          <p:cNvSpPr txBox="1"/>
+          <p:nvPr/>
+        </p:nvSpPr>
+        <p:spPr>
+          <a:xfrm>
+            <a:off x="676984" y="1888239"/>
+            <a:ext cx="2856183" cy="369332"/>
+          </a:xfrm>
+          <a:prstGeom prst="rect">
+            <a:avLst/>
+          </a:prstGeom>
+          <a:noFill/>
+        </p:spPr>
+        <p:txBody>
+          <a:bodyPr wrap="square">
+            <a:spAutoFit/>
+          </a:bodyPr>
+          <a:lstStyle/>
+          <a:p>
+            <a:pPr marL="52361" lvl="2">
+              <a:lnSpc>
+                <a:spcPct val="100000"/>
+              </a:lnSpc>
+              <a:spcBef>
+                <a:spcPts val="601"/>
+              </a:spcBef>
+              <a:spcAft>
+                <a:spcPts val="601"/>
+              </a:spcAft>
+            </a:pPr>
+            <a:r>
+              <a:rPr lang="ru-RU" dirty="0" smtClean="0">
+                <a:latin typeface="Arial" panose="020B0604020202020204" pitchFamily="34" charset="0"/>
+                <a:cs typeface="Arial" panose="020B0604020202020204" pitchFamily="34" charset="0"/>
+              </a:rPr>
+              <a:t>Данные без</a:t>
+            </a:r>
+            <a:r>
+              <a:rPr lang="ru-RU" dirty="0" smtClean="0">
+                <a:latin typeface="Arial" panose="020B0604020202020204" pitchFamily="34" charset="0"/>
+                <a:cs typeface="Arial" panose="020B0604020202020204" pitchFamily="34" charset="0"/>
+              </a:rPr>
+              <a:t> </a:t>
+            </a:r>
+            <a:r>
+              <a:rPr lang="ru-RU" dirty="0">
+                <a:latin typeface="Arial" panose="020B0604020202020204" pitchFamily="34" charset="0"/>
+                <a:cs typeface="Arial" panose="020B0604020202020204" pitchFamily="34" charset="0"/>
+              </a:rPr>
+              <a:t>фильтрации</a:t>
+            </a:r>
+          </a:p>
+        </p:txBody>
+      </p:sp>
+      <p:sp>
+        <p:nvSpPr>
+          <p:cNvPr id="14" name="TextBox 13">
+            <a:extLst>
+              <a:ext uri="{FF2B5EF4-FFF2-40B4-BE49-F238E27FC236}">
+                <a16:creationId xmlns:a16="http://schemas.microsoft.com/office/drawing/2014/main" id="{32794CF1-DCB1-419D-A438-5BA150B1978F}"/>
+              </a:ext>
+            </a:extLst>
+          </p:cNvPr>
+          <p:cNvSpPr txBox="1"/>
+          <p:nvPr/>
+        </p:nvSpPr>
+        <p:spPr>
+          <a:xfrm>
+            <a:off x="4330845" y="1655306"/>
+            <a:ext cx="3698646" cy="1077218"/>
+          </a:xfrm>
+          <a:prstGeom prst="rect">
+            <a:avLst/>
+          </a:prstGeom>
+          <a:noFill/>
+        </p:spPr>
+        <p:txBody>
+          <a:bodyPr wrap="square">
+            <a:spAutoFit/>
+          </a:bodyPr>
+          <a:lstStyle/>
+          <a:p>
+            <a:pPr marL="395261" lvl="2" indent="-342900">
+              <a:lnSpc>
+                <a:spcPct val="100000"/>
+              </a:lnSpc>
+              <a:spcBef>
+                <a:spcPts val="601"/>
+              </a:spcBef>
+              <a:spcAft>
+                <a:spcPts val="601"/>
+              </a:spcAft>
+              <a:buFont typeface="Arial" panose="020B0604020202020204" pitchFamily="34" charset="0"/>
+              <a:buChar char="•"/>
+            </a:pPr>
+            <a:r>
+              <a:rPr lang="ru-RU" dirty="0">
+                <a:latin typeface="Arial" panose="020B0604020202020204" pitchFamily="34" charset="0"/>
+                <a:cs typeface="Arial" panose="020B0604020202020204" pitchFamily="34" charset="0"/>
+              </a:rPr>
+              <a:t>Сглаживающий конденсатор</a:t>
+            </a:r>
+          </a:p>
+          <a:p>
+            <a:pPr marL="395261" lvl="2" indent="-342900">
+              <a:lnSpc>
+                <a:spcPct val="100000"/>
+              </a:lnSpc>
+              <a:spcBef>
+                <a:spcPts val="601"/>
+              </a:spcBef>
+              <a:spcAft>
+                <a:spcPts val="601"/>
+              </a:spcAft>
+              <a:buFont typeface="Arial" panose="020B0604020202020204" pitchFamily="34" charset="0"/>
+              <a:buChar char="•"/>
+            </a:pPr>
+            <a:r>
+              <a:rPr lang="ru-RU" dirty="0">
+                <a:latin typeface="Arial" panose="020B0604020202020204" pitchFamily="34" charset="0"/>
+                <a:cs typeface="Arial" panose="020B0604020202020204" pitchFamily="34" charset="0"/>
+              </a:rPr>
+              <a:t>Развязка питания </a:t>
+            </a:r>
+            <a:r>
+              <a:rPr lang="ru-RU" dirty="0" smtClean="0">
+                <a:latin typeface="Arial" panose="020B0604020202020204" pitchFamily="34" charset="0"/>
+                <a:cs typeface="Arial" panose="020B0604020202020204" pitchFamily="34" charset="0"/>
+              </a:rPr>
+              <a:t>(</a:t>
+            </a:r>
+            <a:r>
+              <a:rPr lang="ru-RU" dirty="0">
+                <a:latin typeface="Arial" panose="020B0604020202020204" pitchFamily="34" charset="0"/>
+                <a:cs typeface="Arial" panose="020B0604020202020204" pitchFamily="34" charset="0"/>
+              </a:rPr>
+              <a:t>далее аппаратная фильтрация)</a:t>
+            </a:r>
+          </a:p>
+        </p:txBody>
+      </p:sp>
+      <p:sp>
+        <p:nvSpPr>
+          <p:cNvPr id="15" name="TextBox 14">
+            <a:extLst>
+              <a:ext uri="{FF2B5EF4-FFF2-40B4-BE49-F238E27FC236}">
+                <a16:creationId xmlns:a16="http://schemas.microsoft.com/office/drawing/2014/main" id="{1B5CEDBF-6D3D-4540-B6F7-9174796C5CCE}"/>
+              </a:ext>
+            </a:extLst>
+          </p:cNvPr>
+          <p:cNvSpPr txBox="1"/>
+          <p:nvPr/>
+        </p:nvSpPr>
+        <p:spPr>
+          <a:xfrm>
+            <a:off x="8287692" y="1222975"/>
+            <a:ext cx="3358439" cy="1354217"/>
+          </a:xfrm>
+          <a:prstGeom prst="rect">
+            <a:avLst/>
+          </a:prstGeom>
+          <a:noFill/>
+        </p:spPr>
+        <p:txBody>
+          <a:bodyPr wrap="square">
+            <a:spAutoFit/>
+          </a:bodyPr>
+          <a:lstStyle/>
+          <a:p>
+            <a:pPr marL="395261" lvl="2" indent="-342900">
+              <a:lnSpc>
+                <a:spcPct val="100000"/>
+              </a:lnSpc>
+              <a:spcBef>
+                <a:spcPts val="601"/>
+              </a:spcBef>
+              <a:spcAft>
+                <a:spcPts val="601"/>
+              </a:spcAft>
+              <a:buFont typeface="Arial" panose="020B0604020202020204" pitchFamily="34" charset="0"/>
+              <a:buChar char="•"/>
+            </a:pPr>
+            <a:r>
+              <a:rPr lang="ru-RU" dirty="0">
+                <a:latin typeface="Arial" panose="020B0604020202020204" pitchFamily="34" charset="0"/>
+                <a:cs typeface="Arial" panose="020B0604020202020204" pitchFamily="34" charset="0"/>
+              </a:rPr>
+              <a:t>Аппаратная фильтрация</a:t>
+            </a:r>
+          </a:p>
+          <a:p>
+            <a:pPr marL="395261" lvl="2" indent="-342900">
+              <a:lnSpc>
+                <a:spcPct val="100000"/>
+              </a:lnSpc>
+              <a:spcBef>
+                <a:spcPts val="601"/>
+              </a:spcBef>
+              <a:spcAft>
+                <a:spcPts val="601"/>
+              </a:spcAft>
+              <a:buFont typeface="Arial" panose="020B0604020202020204" pitchFamily="34" charset="0"/>
+              <a:buChar char="•"/>
+            </a:pPr>
+            <a:r>
+              <a:rPr lang="ru-RU" dirty="0">
+                <a:latin typeface="Arial" panose="020B0604020202020204" pitchFamily="34" charset="0"/>
+                <a:cs typeface="Arial" panose="020B0604020202020204" pitchFamily="34" charset="0"/>
+              </a:rPr>
+              <a:t>Фильтр экспоненциально взвешенного скользящего среднего</a:t>
+            </a:r>
+          </a:p>
+        </p:txBody>
+      </p:sp>
+      <mc:AlternateContent xmlns:mc="http://schemas.openxmlformats.org/markup-compatibility/2006">
+        <mc:Choice xmlns:a14="http://schemas.microsoft.com/office/drawing/2010/main" Requires="a14">
+          <p:sp>
+            <p:nvSpPr>
+              <p:cNvPr id="3" name="TextBox 2"/>
+              <p:cNvSpPr txBox="1"/>
+              <p:nvPr/>
+            </p:nvSpPr>
+            <p:spPr>
+              <a:xfrm>
+                <a:off x="8287692" y="2797510"/>
+                <a:ext cx="3610604" cy="276999"/>
+              </a:xfrm>
+              <a:prstGeom prst="rect">
+                <a:avLst/>
+              </a:prstGeom>
+              <a:noFill/>
+            </p:spPr>
+            <p:txBody>
+              <a:bodyPr wrap="none" lIns="0" tIns="0" rIns="0" bIns="0" rtlCol="0">
+                <a:spAutoFit/>
+              </a:bodyPr>
+              <a:lstStyle/>
+              <a:p>
+                <a14:m>
+                  <m:oMathPara xmlns:m="http://schemas.openxmlformats.org/officeDocument/2006/math">
+                    <m:oMathParaPr>
+                      <m:jc m:val="centerGroup"/>
+                    </m:oMathParaPr>
+                    <m:oMath xmlns:m="http://schemas.openxmlformats.org/officeDocument/2006/math">
+                      <m:sSub>
+                        <m:sSubPr>
+                          <m:ctrlPr>
+                            <a:rPr lang="en-US" i="1" smtClean="0">
+                              <a:latin typeface="+mj-lt"/>
+                            </a:rPr>
+                          </m:ctrlPr>
+                        </m:sSubPr>
+                        <m:e>
+                          <m:r>
+                            <a:rPr lang="en-US" b="0" i="1">
+                              <a:latin typeface="+mj-lt"/>
+                            </a:rPr>
+                            <m:t>𝐸𝑀𝐴</m:t>
+                          </m:r>
+                        </m:e>
+                        <m:sub>
+                          <m:r>
+                            <a:rPr lang="en-US" b="0" i="1" smtClean="0">
+                              <a:latin typeface="+mj-lt"/>
+                            </a:rPr>
+                            <m:t>𝑡</m:t>
+                          </m:r>
+                        </m:sub>
+                      </m:sSub>
+                      <m:r>
+                        <a:rPr lang="en-US" b="0" i="1" smtClean="0">
+                          <a:latin typeface="+mj-lt"/>
+                        </a:rPr>
+                        <m:t>=</m:t>
+                      </m:r>
+                      <m:r>
+                        <a:rPr lang="en-US" b="0" i="1" smtClean="0">
+                          <a:latin typeface="+mj-lt"/>
+                          <a:ea typeface="Cambria Math" panose="02040503050406030204" pitchFamily="18" charset="0"/>
+                        </a:rPr>
+                        <m:t>𝛼</m:t>
+                      </m:r>
+                      <m:r>
+                        <a:rPr lang="en-US" b="0" i="1" smtClean="0">
+                          <a:latin typeface="+mj-lt"/>
+                          <a:ea typeface="Cambria Math" panose="02040503050406030204" pitchFamily="18" charset="0"/>
+                        </a:rPr>
+                        <m:t>∗</m:t>
+                      </m:r>
+                      <m:sSub>
+                        <m:sSubPr>
+                          <m:ctrlPr>
+                            <a:rPr lang="en-US" i="1" smtClean="0">
+                              <a:latin typeface="+mj-lt"/>
+                              <a:ea typeface="Cambria Math" panose="02040503050406030204" pitchFamily="18" charset="0"/>
+                            </a:rPr>
+                          </m:ctrlPr>
+                        </m:sSubPr>
+                        <m:e>
+                          <m:r>
+                            <a:rPr lang="en-US" b="0" i="1" smtClean="0">
+                              <a:latin typeface="+mj-lt"/>
+                              <a:ea typeface="Cambria Math" panose="02040503050406030204" pitchFamily="18" charset="0"/>
+                            </a:rPr>
+                            <m:t>𝑝</m:t>
+                          </m:r>
+                        </m:e>
+                        <m:sub>
+                          <m:r>
+                            <a:rPr lang="en-US" b="0" i="1" smtClean="0">
+                              <a:latin typeface="+mj-lt"/>
+                              <a:ea typeface="Cambria Math" panose="02040503050406030204" pitchFamily="18" charset="0"/>
+                            </a:rPr>
+                            <m:t>𝑡</m:t>
+                          </m:r>
+                        </m:sub>
+                      </m:sSub>
+                      <m:r>
+                        <a:rPr lang="en-US" b="0" i="1" smtClean="0">
+                          <a:latin typeface="+mj-lt"/>
+                          <a:ea typeface="Cambria Math" panose="02040503050406030204" pitchFamily="18" charset="0"/>
+                        </a:rPr>
+                        <m:t>+</m:t>
+                      </m:r>
+                      <m:d>
+                        <m:dPr>
+                          <m:ctrlPr>
+                            <a:rPr lang="en-US" i="1" smtClean="0">
+                              <a:latin typeface="+mj-lt"/>
+                              <a:ea typeface="Cambria Math" panose="02040503050406030204" pitchFamily="18" charset="0"/>
+                            </a:rPr>
+                          </m:ctrlPr>
+                        </m:dPr>
+                        <m:e>
+                          <m:r>
+                            <a:rPr lang="en-US" b="0" i="1" smtClean="0">
+                              <a:latin typeface="+mj-lt"/>
+                              <a:ea typeface="Cambria Math" panose="02040503050406030204" pitchFamily="18" charset="0"/>
+                            </a:rPr>
+                            <m:t>1−</m:t>
+                          </m:r>
+                          <m:r>
+                            <a:rPr lang="en-US" b="0" i="1" smtClean="0">
+                              <a:latin typeface="+mj-lt"/>
+                              <a:ea typeface="Cambria Math" panose="02040503050406030204" pitchFamily="18" charset="0"/>
+                            </a:rPr>
+                            <m:t>𝛼</m:t>
+                          </m:r>
+                        </m:e>
+                      </m:d>
+                      <m:r>
+                        <a:rPr lang="en-US" b="0" i="1" smtClean="0">
+                          <a:latin typeface="+mj-lt"/>
+                          <a:ea typeface="Cambria Math" panose="02040503050406030204" pitchFamily="18" charset="0"/>
+                        </a:rPr>
+                        <m:t>∗</m:t>
+                      </m:r>
+                      <m:sSub>
+                        <m:sSubPr>
+                          <m:ctrlPr>
+                            <a:rPr lang="en-US" i="1">
+                              <a:latin typeface="+mj-lt"/>
+                            </a:rPr>
+                          </m:ctrlPr>
+                        </m:sSubPr>
+                        <m:e>
+                          <m:r>
+                            <a:rPr lang="en-US" b="0" i="1">
+                              <a:latin typeface="+mj-lt"/>
+                            </a:rPr>
+                            <m:t>𝐸𝑀𝐴</m:t>
+                          </m:r>
+                        </m:e>
+                        <m:sub>
+                          <m:r>
+                            <a:rPr lang="en-US" b="0" i="1">
+                              <a:latin typeface="+mj-lt"/>
+                            </a:rPr>
+                            <m:t>𝑡</m:t>
+                          </m:r>
+                          <m:r>
+                            <a:rPr lang="en-US" b="0" i="1" smtClean="0">
+                              <a:latin typeface="+mj-lt"/>
+                            </a:rPr>
+                            <m:t>−1</m:t>
+                          </m:r>
+                        </m:sub>
+                      </m:sSub>
+                    </m:oMath>
+                  </m:oMathPara>
+                </a14:m>
+                <a:endParaRPr lang="ru-RU" dirty="0">
+                  <a:latin typeface="Arial" panose="020B0604020202020204" pitchFamily="34" charset="0"/>
+                  <a:cs typeface="Arial" panose="020B0604020202020204" pitchFamily="34" charset="0"/>
+                </a:endParaRPr>
+              </a:p>
+            </p:txBody>
+          </p:sp>
+        </mc:Choice>
+        <mc:Fallback>
+          <p:sp>
+            <p:nvSpPr>
+              <p:cNvPr id="3" name="TextBox 2"/>
+              <p:cNvSpPr txBox="1">
+                <a:spLocks noRot="1" noChangeAspect="1" noMove="1" noResize="1" noEditPoints="1" noAdjustHandles="1" noChangeArrowheads="1" noChangeShapeType="1" noTextEdit="1"/>
+              </p:cNvSpPr>
+              <p:nvPr/>
+            </p:nvSpPr>
+            <p:spPr>
+              <a:xfrm>
+                <a:off x="8287692" y="2797510"/>
+                <a:ext cx="3610604" cy="276999"/>
+              </a:xfrm>
+              <a:prstGeom prst="rect">
+                <a:avLst/>
+              </a:prstGeom>
+              <a:blipFill>
+                <a:blip r:embed="rId3"/>
+                <a:stretch>
+                  <a:fillRect b="-28889"/>
+                </a:stretch>
+              </a:blipFill>
+            </p:spPr>
+            <p:txBody>
+              <a:bodyPr/>
+              <a:lstStyle/>
+              <a:p>
+                <a:r>
+                  <a:rPr lang="ru-RU">
+                    <a:noFill/>
+                  </a:rPr>
+                  <a:t> </a:t>
+                </a:r>
+              </a:p>
+            </p:txBody>
+          </p:sp>
+        </mc:Fallback>
+      </mc:AlternateContent>
+    </p:spTree>
+    <p:extLst>
+      <p:ext uri="{BB962C8B-B14F-4D97-AF65-F5344CB8AC3E}">
+        <p14:creationId xmlns:p14="http://schemas.microsoft.com/office/powerpoint/2010/main" val="822301108"/>
+      </p:ext>
+    </p:extLst>
+  </p:cSld>
+  <p:clrMapOvr>
+    <a:masterClrMapping/>
+  </p:clrMapOvr>
+</p:sld>
+</file>
+
+<file path=ppt/slides/slide5.xml><?xml version="1.0" encoding="utf-8"?>
+<p:sld xmlns:a="http://schemas.openxmlformats.org/drawingml/2006/main" xmlns:r="http://schemas.openxmlformats.org/officeDocument/2006/relationships" xmlns:p="http://schemas.openxmlformats.org/presentationml/2006/main">
+  <p:cSld>
+    <p:bg>
+      <p:bgPr>
+        <a:solidFill>
+          <a:srgbClr val="F3F3F3"/>
+        </a:solidFill>
+        <a:effectLst/>
+      </p:bgPr>
+    </p:bg>
+    <p:spTree>
+      <p:nvGrpSpPr>
+        <p:cNvPr id="1" name=""/>
+        <p:cNvGrpSpPr/>
+        <p:nvPr/>
+      </p:nvGrpSpPr>
+      <p:grpSpPr>
+        <a:xfrm>
+          <a:off x="0" y="0"/>
+          <a:ext cx="0" cy="0"/>
+          <a:chOff x="0" y="0"/>
+          <a:chExt cx="0" cy="0"/>
+        </a:xfrm>
+      </p:grpSpPr>
+      <p:sp>
+        <p:nvSpPr>
+          <p:cNvPr id="2" name="Title 1">
+            <a:extLst>
+              <a:ext uri="{FF2B5EF4-FFF2-40B4-BE49-F238E27FC236}">
+                <a16:creationId xmlns:a16="http://schemas.microsoft.com/office/drawing/2014/main" id="{417E85D9-3E37-88DC-AEED-7ED2ED0D39D8}"/>
+              </a:ext>
+            </a:extLst>
+          </p:cNvPr>
+          <p:cNvSpPr>
+            <a:spLocks noGrp="1"/>
+          </p:cNvSpPr>
+          <p:nvPr>
+            <p:ph type="title"/>
+          </p:nvPr>
+        </p:nvSpPr>
+        <p:spPr>
+          <a:xfrm>
+            <a:off x="856671" y="66502"/>
+            <a:ext cx="10515600" cy="969818"/>
+          </a:xfrm>
+        </p:spPr>
+        <p:txBody>
+          <a:bodyPr>
+            <a:normAutofit/>
+          </a:bodyPr>
+          <a:lstStyle/>
+          <a:p>
+            <a:pPr algn="ctr"/>
             <a:r>
               <a:rPr lang="ru-RU" b="1" dirty="0"/>
-              <a:t>системы</a:t>
+              <a:t>Демонстрация работы системы</a:t>
             </a:r>
             <a:endParaRPr lang="ru-RU" dirty="0"/>
           </a:p>
@@ -3977,17 +4574,10 @@
   <p:clrMapOvr>
     <a:masterClrMapping/>
   </p:clrMapOvr>
-  <p:timing>
-    <p:tnLst>
-      <p:par>
-        <p:cTn id="1" dur="indefinite" restart="never" nodeType="tmRoot"/>
-      </p:par>
-    </p:tnLst>
-  </p:timing>
 </p:sld>
 </file>
 
-<file path=ppt/slides/slide5.xml><?xml version="1.0" encoding="utf-8"?>
+<file path=ppt/slides/slide6.xml><?xml version="1.0" encoding="utf-8"?>
 <p:sld xmlns:a="http://schemas.openxmlformats.org/drawingml/2006/main" xmlns:r="http://schemas.openxmlformats.org/officeDocument/2006/relationships" xmlns:p="http://schemas.openxmlformats.org/presentationml/2006/main">
   <p:cSld>
     <p:bg>
@@ -4138,7 +4728,7 @@
           <a:p>
             <a:pPr algn="ctr"/>
             <a:r>
-              <a:rPr lang="ru-RU" b="1" i="1" dirty="0" smtClean="0">
+              <a:rPr lang="ru-RU" b="1" i="1" dirty="0">
                 <a:solidFill>
                   <a:schemeClr val="bg1">
                     <a:lumMod val="50000"/>
@@ -4242,13 +4832,6 @@
   <p:clrMapOvr>
     <a:masterClrMapping/>
   </p:clrMapOvr>
-  <p:timing>
-    <p:tnLst>
-      <p:par>
-        <p:cTn id="1" dur="indefinite" restart="never" nodeType="tmRoot"/>
-      </p:par>
-    </p:tnLst>
-  </p:timing>
 </p:sld>
 </file>
 

--- a/doc/simulation_of_the_water_supply_system_NTO_2025_WTF_AXIOM.pptx
+++ b/doc/simulation_of_the_water_supply_system_NTO_2025_WTF_AXIOM.pptx
@@ -4018,14 +4018,7 @@
                 <a:latin typeface="Arial" panose="020B0604020202020204" pitchFamily="34" charset="0"/>
                 <a:cs typeface="Arial" panose="020B0604020202020204" pitchFamily="34" charset="0"/>
               </a:rPr>
-              <a:t>Данные без</a:t>
-            </a:r>
-            <a:r>
-              <a:rPr lang="ru-RU" dirty="0" smtClean="0">
-                <a:latin typeface="Arial" panose="020B0604020202020204" pitchFamily="34" charset="0"/>
-                <a:cs typeface="Arial" panose="020B0604020202020204" pitchFamily="34" charset="0"/>
-              </a:rPr>
-              <a:t> </a:t>
+              <a:t>Данные без </a:t>
             </a:r>
             <a:r>
               <a:rPr lang="ru-RU" dirty="0">
@@ -4208,7 +4201,7 @@
             <p:spPr>
               <a:xfrm>
                 <a:off x="8287692" y="2797510"/>
-                <a:ext cx="3610604" cy="276999"/>
+                <a:ext cx="3441583" cy="276999"/>
               </a:xfrm>
               <a:prstGeom prst="rect">
                 <a:avLst/>
@@ -4221,6 +4214,7 @@
               </a:bodyPr>
               <a:lstStyle/>
               <a:p>
+                <a:pPr/>
                 <a14:m>
                   <m:oMathPara xmlns:m="http://schemas.openxmlformats.org/officeDocument/2006/math">
                     <m:oMathParaPr>
@@ -4231,14 +4225,14 @@
                         <m:sSubPr>
                           <m:ctrlPr>
                             <a:rPr lang="en-US" i="1" smtClean="0">
-                              <a:latin typeface="+mj-lt"/>
+                              <a:latin typeface="Cambria Math" panose="02040503050406030204" pitchFamily="18" charset="0"/>
                             </a:rPr>
                           </m:ctrlPr>
                         </m:sSubPr>
                         <m:e>
                           <m:r>
                             <a:rPr lang="en-US" b="0" i="1">
-                              <a:latin typeface="+mj-lt"/>
+                              <a:latin typeface="Cambria Math" panose="02040503050406030204" pitchFamily="18" charset="0"/>
                             </a:rPr>
                             <m:t>𝐸𝑀𝐴</m:t>
                           </m:r>
@@ -4246,7 +4240,7 @@
                         <m:sub>
                           <m:r>
                             <a:rPr lang="en-US" b="0" i="1" smtClean="0">
-                              <a:latin typeface="+mj-lt"/>
+                              <a:latin typeface="Cambria Math" panose="02040503050406030204" pitchFamily="18" charset="0"/>
                             </a:rPr>
                             <m:t>𝑡</m:t>
                           </m:r>
@@ -4254,29 +4248,29 @@
                       </m:sSub>
                       <m:r>
                         <a:rPr lang="en-US" b="0" i="1" smtClean="0">
-                          <a:latin typeface="+mj-lt"/>
+                          <a:latin typeface="Cambria Math" panose="02040503050406030204" pitchFamily="18" charset="0"/>
                         </a:rPr>
                         <m:t>=</m:t>
                       </m:r>
                       <m:r>
                         <a:rPr lang="en-US" b="0" i="1" smtClean="0">
-                          <a:latin typeface="+mj-lt"/>
+                          <a:latin typeface="Cambria Math" panose="02040503050406030204" pitchFamily="18" charset="0"/>
                           <a:ea typeface="Cambria Math" panose="02040503050406030204" pitchFamily="18" charset="0"/>
                         </a:rPr>
                         <m:t>𝛼</m:t>
                       </m:r>
                       <m:r>
                         <a:rPr lang="en-US" b="0" i="1" smtClean="0">
-                          <a:latin typeface="+mj-lt"/>
+                          <a:latin typeface="Cambria Math" panose="02040503050406030204" pitchFamily="18" charset="0"/>
                           <a:ea typeface="Cambria Math" panose="02040503050406030204" pitchFamily="18" charset="0"/>
                         </a:rPr>
-                        <m:t>∗</m:t>
+                        <m:t>∙</m:t>
                       </m:r>
                       <m:sSub>
                         <m:sSubPr>
                           <m:ctrlPr>
                             <a:rPr lang="en-US" i="1" smtClean="0">
-                              <a:latin typeface="+mj-lt"/>
+                              <a:latin typeface="Cambria Math" panose="02040503050406030204" pitchFamily="18" charset="0"/>
                               <a:ea typeface="Cambria Math" panose="02040503050406030204" pitchFamily="18" charset="0"/>
                             </a:rPr>
                           </m:ctrlPr>
@@ -4284,7 +4278,7 @@
                         <m:e>
                           <m:r>
                             <a:rPr lang="en-US" b="0" i="1" smtClean="0">
-                              <a:latin typeface="+mj-lt"/>
+                              <a:latin typeface="Cambria Math" panose="02040503050406030204" pitchFamily="18" charset="0"/>
                               <a:ea typeface="Cambria Math" panose="02040503050406030204" pitchFamily="18" charset="0"/>
                             </a:rPr>
                             <m:t>𝑝</m:t>
@@ -4293,7 +4287,7 @@
                         <m:sub>
                           <m:r>
                             <a:rPr lang="en-US" b="0" i="1" smtClean="0">
-                              <a:latin typeface="+mj-lt"/>
+                              <a:latin typeface="Cambria Math" panose="02040503050406030204" pitchFamily="18" charset="0"/>
                               <a:ea typeface="Cambria Math" panose="02040503050406030204" pitchFamily="18" charset="0"/>
                             </a:rPr>
                             <m:t>𝑡</m:t>
@@ -4302,7 +4296,7 @@
                       </m:sSub>
                       <m:r>
                         <a:rPr lang="en-US" b="0" i="1" smtClean="0">
-                          <a:latin typeface="+mj-lt"/>
+                          <a:latin typeface="Cambria Math" panose="02040503050406030204" pitchFamily="18" charset="0"/>
                           <a:ea typeface="Cambria Math" panose="02040503050406030204" pitchFamily="18" charset="0"/>
                         </a:rPr>
                         <m:t>+</m:t>
@@ -4311,7 +4305,7 @@
                         <m:dPr>
                           <m:ctrlPr>
                             <a:rPr lang="en-US" i="1" smtClean="0">
-                              <a:latin typeface="+mj-lt"/>
+                              <a:latin typeface="Cambria Math" panose="02040503050406030204" pitchFamily="18" charset="0"/>
                               <a:ea typeface="Cambria Math" panose="02040503050406030204" pitchFamily="18" charset="0"/>
                             </a:rPr>
                           </m:ctrlPr>
@@ -4319,14 +4313,14 @@
                         <m:e>
                           <m:r>
                             <a:rPr lang="en-US" b="0" i="1" smtClean="0">
-                              <a:latin typeface="+mj-lt"/>
+                              <a:latin typeface="Cambria Math" panose="02040503050406030204" pitchFamily="18" charset="0"/>
                               <a:ea typeface="Cambria Math" panose="02040503050406030204" pitchFamily="18" charset="0"/>
                             </a:rPr>
                             <m:t>1−</m:t>
                           </m:r>
                           <m:r>
                             <a:rPr lang="en-US" b="0" i="1" smtClean="0">
-                              <a:latin typeface="+mj-lt"/>
+                              <a:latin typeface="Cambria Math" panose="02040503050406030204" pitchFamily="18" charset="0"/>
                               <a:ea typeface="Cambria Math" panose="02040503050406030204" pitchFamily="18" charset="0"/>
                             </a:rPr>
                             <m:t>𝛼</m:t>
@@ -4334,24 +4328,24 @@
                         </m:e>
                       </m:d>
                       <m:r>
-                        <a:rPr lang="en-US" b="0" i="1" smtClean="0">
-                          <a:latin typeface="+mj-lt"/>
+                        <a:rPr lang="en-US" i="1">
+                          <a:latin typeface="Cambria Math" panose="02040503050406030204" pitchFamily="18" charset="0"/>
                           <a:ea typeface="Cambria Math" panose="02040503050406030204" pitchFamily="18" charset="0"/>
                         </a:rPr>
-                        <m:t>∗</m:t>
+                        <m:t>∙</m:t>
                       </m:r>
                       <m:sSub>
                         <m:sSubPr>
                           <m:ctrlPr>
                             <a:rPr lang="en-US" i="1">
-                              <a:latin typeface="+mj-lt"/>
+                              <a:latin typeface="Cambria Math" panose="02040503050406030204" pitchFamily="18" charset="0"/>
                             </a:rPr>
                           </m:ctrlPr>
                         </m:sSubPr>
                         <m:e>
                           <m:r>
                             <a:rPr lang="en-US" b="0" i="1">
-                              <a:latin typeface="+mj-lt"/>
+                              <a:latin typeface="Cambria Math" panose="02040503050406030204" pitchFamily="18" charset="0"/>
                             </a:rPr>
                             <m:t>𝐸𝑀𝐴</m:t>
                           </m:r>
@@ -4359,13 +4353,13 @@
                         <m:sub>
                           <m:r>
                             <a:rPr lang="en-US" b="0" i="1">
-                              <a:latin typeface="+mj-lt"/>
+                              <a:latin typeface="Cambria Math" panose="02040503050406030204" pitchFamily="18" charset="0"/>
                             </a:rPr>
                             <m:t>𝑡</m:t>
                           </m:r>
                           <m:r>
                             <a:rPr lang="en-US" b="0" i="1" smtClean="0">
-                              <a:latin typeface="+mj-lt"/>
+                              <a:latin typeface="Cambria Math" panose="02040503050406030204" pitchFamily="18" charset="0"/>
                             </a:rPr>
                             <m:t>−1</m:t>
                           </m:r>
@@ -4394,7 +4388,7 @@
             <p:spPr>
               <a:xfrm>
                 <a:off x="8287692" y="2797510"/>
-                <a:ext cx="3610604" cy="276999"/>
+                <a:ext cx="3441583" cy="276999"/>
               </a:xfrm>
               <a:prstGeom prst="rect">
                 <a:avLst/>
@@ -4402,7 +4396,7 @@
               <a:blipFill>
                 <a:blip r:embed="rId3"/>
                 <a:stretch>
-                  <a:fillRect b="-28889"/>
+                  <a:fillRect l="-1064" b="-28889"/>
                 </a:stretch>
               </a:blipFill>
             </p:spPr>
